--- a/spring12/slidesS12/expected-heads.pptx
+++ b/spring12/slidesS12/expected-heads.pptx
@@ -2211,7 +2211,11 @@
             </a:r>
             <a:r>
               <a:rPr lang="en-US" dirty="0" smtClean="0"/>
-              <a:t> 12W.</a:t>
+              <a:t> </a:t>
+            </a:r>
+            <a:r>
+              <a:rPr lang="en-US" dirty="0" smtClean="0"/>
+              <a:t>12F.</a:t>
             </a:r>
             <a:fld id="{FC9265C7-2444-489D-860F-86AAC4235083}" type="slidenum">
               <a:rPr lang="en-US" smtClean="0"/>
@@ -2386,7 +2390,11 @@
             </a:r>
             <a:r>
               <a:rPr lang="en-US" dirty="0" smtClean="0"/>
-              <a:t> 12W.</a:t>
+              <a:t> </a:t>
+            </a:r>
+            <a:r>
+              <a:rPr lang="en-US" dirty="0" smtClean="0"/>
+              <a:t>12F.</a:t>
             </a:r>
             <a:fld id="{7886A709-CED2-48A3-8616-B2655C008ECB}" type="slidenum">
               <a:rPr lang="en-US" smtClean="0"/>
@@ -2482,7 +2490,11 @@
             </a:r>
             <a:r>
               <a:rPr lang="en-US" dirty="0" smtClean="0"/>
-              <a:t> 12W.</a:t>
+              <a:t> </a:t>
+            </a:r>
+            <a:r>
+              <a:rPr lang="en-US" dirty="0" smtClean="0"/>
+              <a:t>12F.</a:t>
             </a:r>
             <a:fld id="{9B55653B-1858-43BF-A49A-533C730B553F}" type="slidenum">
               <a:rPr lang="en-US" smtClean="0"/>
@@ -2551,7 +2563,11 @@
             </a:r>
             <a:r>
               <a:rPr lang="en-US" dirty="0" smtClean="0"/>
-              <a:t> 12W.</a:t>
+              <a:t> </a:t>
+            </a:r>
+            <a:r>
+              <a:rPr lang="en-US" dirty="0" smtClean="0"/>
+              <a:t>12F.</a:t>
             </a:r>
             <a:fld id="{4E62291C-8AD8-4AE0-8F6D-A8437E91FB33}" type="slidenum">
               <a:rPr lang="en-US" smtClean="0"/>
@@ -2762,7 +2778,11 @@
             </a:r>
             <a:r>
               <a:rPr lang="en-US" dirty="0" smtClean="0"/>
-              <a:t> 12W.</a:t>
+              <a:t> </a:t>
+            </a:r>
+            <a:r>
+              <a:rPr lang="en-US" dirty="0" smtClean="0"/>
+              <a:t>12F.</a:t>
             </a:r>
             <a:fld id="{7886A709-CED2-48A3-8616-B2655C008ECB}" type="slidenum">
               <a:rPr lang="en-US" smtClean="0"/>
@@ -2858,7 +2878,37 @@
                 <a:uFillTx/>
                 <a:latin typeface="Comic Sans MS" pitchFamily="66" charset="0"/>
               </a:rPr>
-              <a:t>Albert R Meyer,            May 2, 2012</a:t>
+              <a:t>Albert R Meyer,            May </a:t>
+            </a:r>
+            <a:r>
+              <a:rPr kumimoji="0" lang="en-US" sz="1200" b="0" i="0" u="none" strike="noStrike" kern="1200" cap="none" spc="0" normalizeH="0" baseline="0" noProof="0" dirty="0" smtClean="0">
+                <a:ln>
+                  <a:noFill/>
+                </a:ln>
+                <a:solidFill>
+                  <a:schemeClr val="tx1"/>
+                </a:solidFill>
+                <a:effectLst/>
+                <a:uLnTx/>
+                <a:uFillTx/>
+                <a:latin typeface="Comic Sans MS" pitchFamily="66" charset="0"/>
+              </a:rPr>
+              <a:t>4, </a:t>
+            </a:r>
+            <a:r>
+              <a:rPr kumimoji="0" lang="en-US" sz="1200" b="0" i="0" u="none" strike="noStrike" kern="1200" cap="none" spc="0" normalizeH="0" baseline="0" noProof="0" dirty="0" smtClean="0">
+                <a:ln>
+                  <a:noFill/>
+                </a:ln>
+                <a:solidFill>
+                  <a:schemeClr val="tx1"/>
+                </a:solidFill>
+                <a:effectLst/>
+                <a:uLnTx/>
+                <a:uFillTx/>
+                <a:latin typeface="Comic Sans MS" pitchFamily="66" charset="0"/>
+              </a:rPr>
+              <a:t>2012</a:t>
             </a:r>
             <a:endParaRPr kumimoji="0" lang="en-US" sz="1200" b="0" i="0" u="none" strike="noStrike" kern="1200" cap="none" spc="0" normalizeH="0" baseline="0" noProof="0" dirty="0">
               <a:ln>
@@ -3480,7 +3530,11 @@
             </a:r>
             <a:r>
               <a:rPr lang="en-US" dirty="0" smtClean="0"/>
-              <a:t> 12W.</a:t>
+              <a:t> </a:t>
+            </a:r>
+            <a:r>
+              <a:rPr lang="en-US" dirty="0" smtClean="0"/>
+              <a:t>12F.</a:t>
             </a:r>
             <a:fld id="{93DA0692-DAF7-4AFE-9BE7-E02439D3694A}" type="slidenum">
               <a:rPr lang="en-US" smtClean="0"/>
@@ -3550,7 +3604,7 @@
           <a:graphicData uri="http://schemas.openxmlformats.org/presentationml/2006/ole">
             <mc:AlternateContent xmlns:mc="http://schemas.openxmlformats.org/markup-compatibility/2006">
               <mc:Choice xmlns:v="urn:schemas-microsoft-com:vml" Requires="v">
-                <p:oleObj spid="_x0000_s583692" name="Equation" r:id="rId4" imgW="1739880" imgH="507960" progId="Equation.DSMT4">
+                <p:oleObj spid="_x0000_s583697" name="Equation" r:id="rId4" imgW="1739880" imgH="507960" progId="Equation.DSMT4">
                   <p:embed/>
                 </p:oleObj>
               </mc:Choice>
@@ -3645,7 +3699,7 @@
           <a:graphicData uri="http://schemas.openxmlformats.org/presentationml/2006/ole">
             <mc:AlternateContent xmlns:mc="http://schemas.openxmlformats.org/markup-compatibility/2006">
               <mc:Choice xmlns:v="urn:schemas-microsoft-com:vml" Requires="v">
-                <p:oleObj spid="_x0000_s583693" name="Equation" r:id="rId6" imgW="1866900" imgH="520700" progId="Equation.DSMT4">
+                <p:oleObj spid="_x0000_s583698" name="Equation" r:id="rId6" imgW="1866900" imgH="520700" progId="Equation.DSMT4">
                   <p:embed/>
                 </p:oleObj>
               </mc:Choice>
@@ -3723,7 +3777,14 @@
                 <a:latin typeface="Comic Sans MS"/>
                 <a:cs typeface="Comic Sans MS"/>
               </a:rPr>
-              <a:t> 12W.</a:t>
+              <a:t> </a:t>
+            </a:r>
+            <a:r>
+              <a:rPr lang="en-US" sz="1200" dirty="0" smtClean="0">
+                <a:latin typeface="Comic Sans MS"/>
+                <a:cs typeface="Comic Sans MS"/>
+              </a:rPr>
+              <a:t>12F.</a:t>
             </a:r>
             <a:fld id="{93DA0692-DAF7-4AFE-9BE7-E02439D3694A}" type="slidenum">
               <a:rPr lang="en-US" sz="1200" smtClean="0">
@@ -3804,7 +3865,7 @@
           <a:graphicData uri="http://schemas.openxmlformats.org/presentationml/2006/ole">
             <mc:AlternateContent xmlns:mc="http://schemas.openxmlformats.org/markup-compatibility/2006">
               <mc:Choice xmlns:v="urn:schemas-microsoft-com:vml" Requires="v">
-                <p:oleObj spid="_x0000_s584726" name="Equation" r:id="rId4" imgW="1739880" imgH="507960" progId="Equation.DSMT4">
+                <p:oleObj spid="_x0000_s584733" name="Equation" r:id="rId4" imgW="1739880" imgH="507960" progId="Equation.DSMT4">
                   <p:embed/>
                 </p:oleObj>
               </mc:Choice>
@@ -3899,7 +3960,7 @@
           <a:graphicData uri="http://schemas.openxmlformats.org/presentationml/2006/ole">
             <mc:AlternateContent xmlns:mc="http://schemas.openxmlformats.org/markup-compatibility/2006">
               <mc:Choice xmlns:v="urn:schemas-microsoft-com:vml" Requires="v">
-                <p:oleObj spid="_x0000_s584727" name="Equation" r:id="rId6" imgW="1600200" imgH="520700" progId="Equation.DSMT4">
+                <p:oleObj spid="_x0000_s584734" name="Equation" r:id="rId6" imgW="1600200" imgH="520700" progId="Equation.DSMT4">
                   <p:embed/>
                 </p:oleObj>
               </mc:Choice>
@@ -3977,7 +4038,14 @@
                 <a:latin typeface="Comic Sans MS"/>
                 <a:cs typeface="Comic Sans MS"/>
               </a:rPr>
-              <a:t> 12W.</a:t>
+              <a:t> </a:t>
+            </a:r>
+            <a:r>
+              <a:rPr lang="en-US" sz="1200" dirty="0" smtClean="0">
+                <a:latin typeface="Comic Sans MS"/>
+                <a:cs typeface="Comic Sans MS"/>
+              </a:rPr>
+              <a:t>12F.</a:t>
             </a:r>
             <a:fld id="{93DA0692-DAF7-4AFE-9BE7-E02439D3694A}" type="slidenum">
               <a:rPr lang="en-US" sz="1200" smtClean="0">
@@ -4018,7 +4086,7 @@
           <a:graphicData uri="http://schemas.openxmlformats.org/presentationml/2006/ole">
             <mc:AlternateContent xmlns:mc="http://schemas.openxmlformats.org/markup-compatibility/2006">
               <mc:Choice xmlns:v="urn:schemas-microsoft-com:vml" Requires="v">
-                <p:oleObj spid="_x0000_s584728" name="Equation" r:id="rId8" imgW="850900" imgH="355600" progId="Equation.DSMT4">
+                <p:oleObj spid="_x0000_s584735" name="Equation" r:id="rId8" imgW="850900" imgH="355600" progId="Equation.DSMT4">
                   <p:embed/>
                 </p:oleObj>
               </mc:Choice>
@@ -4365,7 +4433,14 @@
                 <a:latin typeface="Comic Sans MS"/>
                 <a:cs typeface="Comic Sans MS"/>
               </a:rPr>
-              <a:t> 12W.</a:t>
+              <a:t> </a:t>
+            </a:r>
+            <a:r>
+              <a:rPr lang="en-US" sz="1200" dirty="0" smtClean="0">
+                <a:latin typeface="Comic Sans MS"/>
+                <a:cs typeface="Comic Sans MS"/>
+              </a:rPr>
+              <a:t>12F.</a:t>
             </a:r>
             <a:fld id="{93DA0692-DAF7-4AFE-9BE7-E02439D3694A}" type="slidenum">
               <a:rPr lang="en-US" sz="1200" smtClean="0">
@@ -4406,7 +4481,7 @@
           <a:graphicData uri="http://schemas.openxmlformats.org/presentationml/2006/ole">
             <mc:AlternateContent xmlns:mc="http://schemas.openxmlformats.org/markup-compatibility/2006">
               <mc:Choice xmlns:v="urn:schemas-microsoft-com:vml" Requires="v">
-                <p:oleObj spid="_x0000_s211005" name="Equation" r:id="rId4" imgW="1651000" imgH="495300" progId="Equation.DSMT4">
+                <p:oleObj spid="_x0000_s211010" name="Equation" r:id="rId4" imgW="1651000" imgH="495300" progId="Equation.DSMT4">
                   <p:embed/>
                 </p:oleObj>
               </mc:Choice>
@@ -4476,7 +4551,7 @@
           <a:graphicData uri="http://schemas.openxmlformats.org/presentationml/2006/ole">
             <mc:AlternateContent xmlns:mc="http://schemas.openxmlformats.org/markup-compatibility/2006">
               <mc:Choice xmlns:v="urn:schemas-microsoft-com:vml" Requires="v">
-                <p:oleObj spid="_x0000_s211006" name="Equation" r:id="rId6" imgW="1930400" imgH="381000" progId="Equation.DSMT4">
+                <p:oleObj spid="_x0000_s211011" name="Equation" r:id="rId6" imgW="1930400" imgH="381000" progId="Equation.DSMT4">
                   <p:embed/>
                 </p:oleObj>
               </mc:Choice>
@@ -5273,7 +5348,7 @@
           <a:graphicData uri="http://schemas.openxmlformats.org/presentationml/2006/ole">
             <mc:AlternateContent xmlns:mc="http://schemas.openxmlformats.org/markup-compatibility/2006">
               <mc:Choice xmlns:v="urn:schemas-microsoft-com:vml" Requires="v">
-                <p:oleObj spid="_x0000_s213029" name="Equation" r:id="rId4" imgW="914400" imgH="220320" progId="Equation.DSMT4">
+                <p:oleObj spid="_x0000_s213032" name="Equation" r:id="rId4" imgW="914400" imgH="220320" progId="Equation.DSMT4">
                   <p:embed/>
                 </p:oleObj>
               </mc:Choice>
@@ -5489,7 +5564,14 @@
                 <a:latin typeface="Comic Sans MS"/>
                 <a:cs typeface="Comic Sans MS"/>
               </a:rPr>
-              <a:t> 12W.</a:t>
+              <a:t> </a:t>
+            </a:r>
+            <a:r>
+              <a:rPr lang="en-US" sz="1200" dirty="0" smtClean="0">
+                <a:latin typeface="Comic Sans MS"/>
+                <a:cs typeface="Comic Sans MS"/>
+              </a:rPr>
+              <a:t>12F.</a:t>
             </a:r>
             <a:fld id="{93DA0692-DAF7-4AFE-9BE7-E02439D3694A}" type="slidenum">
               <a:rPr lang="en-US" sz="1200" smtClean="0">
@@ -6429,7 +6511,7 @@
           <a:graphicData uri="http://schemas.openxmlformats.org/presentationml/2006/ole">
             <mc:AlternateContent xmlns:mc="http://schemas.openxmlformats.org/markup-compatibility/2006">
               <mc:Choice xmlns:v="urn:schemas-microsoft-com:vml" Requires="v">
-                <p:oleObj spid="_x0000_s1081" name="Equation" r:id="rId4" imgW="914400" imgH="220320" progId="Equation.DSMT4">
+                <p:oleObj spid="_x0000_s1086" name="Equation" r:id="rId4" imgW="914400" imgH="220320" progId="Equation.DSMT4">
                   <p:embed/>
                 </p:oleObj>
               </mc:Choice>
@@ -6499,7 +6581,7 @@
           <a:graphicData uri="http://schemas.openxmlformats.org/presentationml/2006/ole">
             <mc:AlternateContent xmlns:mc="http://schemas.openxmlformats.org/markup-compatibility/2006">
               <mc:Choice xmlns:v="urn:schemas-microsoft-com:vml" Requires="v">
-                <p:oleObj spid="_x0000_s1082" name="Equation" r:id="rId6" imgW="634680" imgH="304560" progId="Equation.DSMT4">
+                <p:oleObj spid="_x0000_s1087" name="Equation" r:id="rId6" imgW="634680" imgH="304560" progId="Equation.DSMT4">
                   <p:embed/>
                 </p:oleObj>
               </mc:Choice>
@@ -6713,7 +6795,14 @@
                 <a:latin typeface="Comic Sans MS"/>
                 <a:cs typeface="Comic Sans MS"/>
               </a:rPr>
-              <a:t> 12W.</a:t>
+              <a:t> </a:t>
+            </a:r>
+            <a:r>
+              <a:rPr lang="en-US" sz="1200" dirty="0" smtClean="0">
+                <a:latin typeface="Comic Sans MS"/>
+                <a:cs typeface="Comic Sans MS"/>
+              </a:rPr>
+              <a:t>12F.</a:t>
             </a:r>
             <a:fld id="{93DA0692-DAF7-4AFE-9BE7-E02439D3694A}" type="slidenum">
               <a:rPr lang="en-US" sz="1200" smtClean="0">
@@ -7143,7 +7232,11 @@
             </a:r>
             <a:r>
               <a:rPr lang="en-US" dirty="0" smtClean="0"/>
-              <a:t> 12W.</a:t>
+              <a:t> </a:t>
+            </a:r>
+            <a:r>
+              <a:rPr lang="en-US" dirty="0" smtClean="0"/>
+              <a:t>12F.</a:t>
             </a:r>
             <a:fld id="{93DA0692-DAF7-4AFE-9BE7-E02439D3694A}" type="slidenum">
               <a:rPr lang="en-US" smtClean="0"/>
@@ -7215,7 +7308,11 @@
             </a:r>
             <a:r>
               <a:rPr lang="en-US" dirty="0" smtClean="0"/>
-              <a:t> 12W.</a:t>
+              <a:t> </a:t>
+            </a:r>
+            <a:r>
+              <a:rPr lang="en-US" dirty="0" smtClean="0"/>
+              <a:t>12F.</a:t>
             </a:r>
             <a:fld id="{39196791-36AF-407D-9527-253971E27E13}" type="slidenum">
               <a:rPr lang="en-US" smtClean="0"/>
@@ -7323,7 +7420,7 @@
           <a:graphicData uri="http://schemas.openxmlformats.org/presentationml/2006/ole">
             <mc:AlternateContent xmlns:mc="http://schemas.openxmlformats.org/markup-compatibility/2006">
               <mc:Choice xmlns:v="urn:schemas-microsoft-com:vml" Requires="v">
-                <p:oleObj spid="_x0000_s486457" name="Equation" r:id="rId4" imgW="2171700" imgH="533400" progId="Equation.DSMT4">
+                <p:oleObj spid="_x0000_s486462" name="Equation" r:id="rId4" imgW="2171700" imgH="533400" progId="Equation.DSMT4">
                   <p:embed/>
                 </p:oleObj>
               </mc:Choice>
@@ -7421,7 +7518,7 @@
           <a:graphicData uri="http://schemas.openxmlformats.org/presentationml/2006/ole">
             <mc:AlternateContent xmlns:mc="http://schemas.openxmlformats.org/markup-compatibility/2006">
               <mc:Choice xmlns:v="urn:schemas-microsoft-com:vml" Requires="v">
-                <p:oleObj spid="_x0000_s486458" name="Equation" r:id="rId6" imgW="1308100" imgH="342900" progId="Equation.DSMT4">
+                <p:oleObj spid="_x0000_s486463" name="Equation" r:id="rId6" imgW="1308100" imgH="342900" progId="Equation.DSMT4">
                   <p:embed/>
                 </p:oleObj>
               </mc:Choice>
@@ -8115,7 +8212,14 @@
                 <a:latin typeface="Comic Sans MS"/>
                 <a:cs typeface="Comic Sans MS"/>
               </a:rPr>
-              <a:t> 12W.</a:t>
+              <a:t> </a:t>
+            </a:r>
+            <a:r>
+              <a:rPr lang="en-US" sz="1200" dirty="0" smtClean="0">
+                <a:latin typeface="Comic Sans MS"/>
+                <a:cs typeface="Comic Sans MS"/>
+              </a:rPr>
+              <a:t>12F.</a:t>
             </a:r>
             <a:fld id="{93DA0692-DAF7-4AFE-9BE7-E02439D3694A}" type="slidenum">
               <a:rPr lang="en-US" sz="1200" smtClean="0">
@@ -8577,7 +8681,7 @@
           <a:graphicData uri="http://schemas.openxmlformats.org/presentationml/2006/ole">
             <mc:AlternateContent xmlns:mc="http://schemas.openxmlformats.org/markup-compatibility/2006">
               <mc:Choice xmlns:v="urn:schemas-microsoft-com:vml" Requires="v">
-                <p:oleObj spid="_x0000_s198713" name="Equation" r:id="rId4" imgW="1549400" imgH="520700" progId="Equation.DSMT4">
+                <p:oleObj spid="_x0000_s198718" name="Equation" r:id="rId4" imgW="1549400" imgH="520700" progId="Equation.DSMT4">
                   <p:embed/>
                 </p:oleObj>
               </mc:Choice>
@@ -8742,7 +8846,7 @@
           <a:graphicData uri="http://schemas.openxmlformats.org/presentationml/2006/ole">
             <mc:AlternateContent xmlns:mc="http://schemas.openxmlformats.org/markup-compatibility/2006">
               <mc:Choice xmlns:v="urn:schemas-microsoft-com:vml" Requires="v">
-                <p:oleObj spid="_x0000_s198714" name="Equation" r:id="rId6" imgW="2032000" imgH="368300" progId="Equation.DSMT4">
+                <p:oleObj spid="_x0000_s198719" name="Equation" r:id="rId6" imgW="2032000" imgH="368300" progId="Equation.DSMT4">
                   <p:embed/>
                 </p:oleObj>
               </mc:Choice>
@@ -8820,7 +8924,14 @@
                 <a:latin typeface="Comic Sans MS"/>
                 <a:cs typeface="Comic Sans MS"/>
               </a:rPr>
-              <a:t> 12W.</a:t>
+              <a:t> </a:t>
+            </a:r>
+            <a:r>
+              <a:rPr lang="en-US" sz="1200" dirty="0" smtClean="0">
+                <a:latin typeface="Comic Sans MS"/>
+                <a:cs typeface="Comic Sans MS"/>
+              </a:rPr>
+              <a:t>12F.</a:t>
             </a:r>
             <a:fld id="{93DA0692-DAF7-4AFE-9BE7-E02439D3694A}" type="slidenum">
               <a:rPr lang="en-US" sz="1200" smtClean="0">
@@ -8896,7 +9007,7 @@
           <a:graphicData uri="http://schemas.openxmlformats.org/presentationml/2006/ole">
             <mc:AlternateContent xmlns:mc="http://schemas.openxmlformats.org/markup-compatibility/2006">
               <mc:Choice xmlns:v="urn:schemas-microsoft-com:vml" Requires="v">
-                <p:oleObj spid="_x0000_s581644" name="Equation" r:id="rId4" imgW="1308100" imgH="520700" progId="Equation.DSMT4">
+                <p:oleObj spid="_x0000_s581649" name="Equation" r:id="rId4" imgW="1308100" imgH="520700" progId="Equation.DSMT4">
                   <p:embed/>
                 </p:oleObj>
               </mc:Choice>
@@ -9061,7 +9172,7 @@
           <a:graphicData uri="http://schemas.openxmlformats.org/presentationml/2006/ole">
             <mc:AlternateContent xmlns:mc="http://schemas.openxmlformats.org/markup-compatibility/2006">
               <mc:Choice xmlns:v="urn:schemas-microsoft-com:vml" Requires="v">
-                <p:oleObj spid="_x0000_s581645" name="Equation" r:id="rId6" imgW="2032000" imgH="368300" progId="Equation.DSMT4">
+                <p:oleObj spid="_x0000_s581650" name="Equation" r:id="rId6" imgW="2032000" imgH="368300" progId="Equation.DSMT4">
                   <p:embed/>
                 </p:oleObj>
               </mc:Choice>
@@ -9139,7 +9250,14 @@
                 <a:latin typeface="Comic Sans MS"/>
                 <a:cs typeface="Comic Sans MS"/>
               </a:rPr>
-              <a:t> 12W.</a:t>
+              <a:t> </a:t>
+            </a:r>
+            <a:r>
+              <a:rPr lang="en-US" sz="1200" dirty="0" smtClean="0">
+                <a:latin typeface="Comic Sans MS"/>
+                <a:cs typeface="Comic Sans MS"/>
+              </a:rPr>
+              <a:t>12F.</a:t>
             </a:r>
             <a:fld id="{93DA0692-DAF7-4AFE-9BE7-E02439D3694A}" type="slidenum">
               <a:rPr lang="en-US" sz="1200" smtClean="0">
@@ -9229,7 +9347,7 @@
           <a:graphicData uri="http://schemas.openxmlformats.org/presentationml/2006/ole">
             <mc:AlternateContent xmlns:mc="http://schemas.openxmlformats.org/markup-compatibility/2006">
               <mc:Choice xmlns:v="urn:schemas-microsoft-com:vml" Requires="v">
-                <p:oleObj spid="_x0000_s582670" name="Equation" r:id="rId4" imgW="1308100" imgH="520700" progId="Equation.DSMT4">
+                <p:oleObj spid="_x0000_s582675" name="Equation" r:id="rId4" imgW="1308100" imgH="520700" progId="Equation.DSMT4">
                   <p:embed/>
                 </p:oleObj>
               </mc:Choice>
@@ -9323,7 +9441,7 @@
           <a:graphicData uri="http://schemas.openxmlformats.org/presentationml/2006/ole">
             <mc:AlternateContent xmlns:mc="http://schemas.openxmlformats.org/markup-compatibility/2006">
               <mc:Choice xmlns:v="urn:schemas-microsoft-com:vml" Requires="v">
-                <p:oleObj spid="_x0000_s582671" name="Equation" r:id="rId6" imgW="2032000" imgH="368300" progId="Equation.DSMT4">
+                <p:oleObj spid="_x0000_s582676" name="Equation" r:id="rId6" imgW="2032000" imgH="368300" progId="Equation.DSMT4">
                   <p:embed/>
                 </p:oleObj>
               </mc:Choice>
@@ -9401,7 +9519,14 @@
                 <a:latin typeface="Comic Sans MS"/>
                 <a:cs typeface="Comic Sans MS"/>
               </a:rPr>
-              <a:t> 12W.</a:t>
+              <a:t> </a:t>
+            </a:r>
+            <a:r>
+              <a:rPr lang="en-US" sz="1200" dirty="0" smtClean="0">
+                <a:latin typeface="Comic Sans MS"/>
+                <a:cs typeface="Comic Sans MS"/>
+              </a:rPr>
+              <a:t>12F.</a:t>
             </a:r>
             <a:fld id="{93DA0692-DAF7-4AFE-9BE7-E02439D3694A}" type="slidenum">
               <a:rPr lang="en-US" sz="1200" smtClean="0">
@@ -9580,7 +9705,7 @@
           <a:graphicData uri="http://schemas.openxmlformats.org/presentationml/2006/ole">
             <mc:AlternateContent xmlns:mc="http://schemas.openxmlformats.org/markup-compatibility/2006">
               <mc:Choice xmlns:v="urn:schemas-microsoft-com:vml" Requires="v">
-                <p:oleObj spid="_x0000_s200790" name="Equation" r:id="rId4" imgW="1536480" imgH="507960" progId="Equation.DSMT4">
+                <p:oleObj spid="_x0000_s200797" name="Equation" r:id="rId4" imgW="1536480" imgH="507960" progId="Equation.DSMT4">
                   <p:embed/>
                 </p:oleObj>
               </mc:Choice>
@@ -9656,7 +9781,7 @@
           <a:graphicData uri="http://schemas.openxmlformats.org/presentationml/2006/ole">
             <mc:AlternateContent xmlns:mc="http://schemas.openxmlformats.org/markup-compatibility/2006">
               <mc:Choice xmlns:v="urn:schemas-microsoft-com:vml" Requires="v">
-                <p:oleObj spid="_x0000_s200791" name="Equation" r:id="rId6" imgW="1955520" imgH="507960" progId="Equation.DSMT4">
+                <p:oleObj spid="_x0000_s200798" name="Equation" r:id="rId6" imgW="1955520" imgH="507960" progId="Equation.DSMT4">
                   <p:embed/>
                 </p:oleObj>
               </mc:Choice>
@@ -9718,7 +9843,7 @@
           <a:graphicData uri="http://schemas.openxmlformats.org/presentationml/2006/ole">
             <mc:AlternateContent xmlns:mc="http://schemas.openxmlformats.org/markup-compatibility/2006">
               <mc:Choice xmlns:v="urn:schemas-microsoft-com:vml" Requires="v">
-                <p:oleObj spid="_x0000_s200792" name="Equation" r:id="rId8" imgW="863280" imgH="228600" progId="Equation.DSMT4">
+                <p:oleObj spid="_x0000_s200799" name="Equation" r:id="rId8" imgW="863280" imgH="228600" progId="Equation.DSMT4">
                   <p:embed/>
                 </p:oleObj>
               </mc:Choice>
@@ -9810,7 +9935,14 @@
                 <a:latin typeface="Comic Sans MS"/>
                 <a:cs typeface="Comic Sans MS"/>
               </a:rPr>
-              <a:t> 12W.</a:t>
+              <a:t> </a:t>
+            </a:r>
+            <a:r>
+              <a:rPr lang="en-US" sz="1200" dirty="0" smtClean="0">
+                <a:latin typeface="Comic Sans MS"/>
+                <a:cs typeface="Comic Sans MS"/>
+              </a:rPr>
+              <a:t>12F.</a:t>
             </a:r>
             <a:fld id="{93DA0692-DAF7-4AFE-9BE7-E02439D3694A}" type="slidenum">
               <a:rPr lang="en-US" sz="1200" smtClean="0">
@@ -10068,7 +10200,7 @@
           <a:graphicData uri="http://schemas.openxmlformats.org/presentationml/2006/ole">
             <mc:AlternateContent xmlns:mc="http://schemas.openxmlformats.org/markup-compatibility/2006">
               <mc:Choice xmlns:v="urn:schemas-microsoft-com:vml" Requires="v">
-                <p:oleObj spid="_x0000_s202813" name="Equation" r:id="rId4" imgW="1739880" imgH="507960" progId="Equation.DSMT4">
+                <p:oleObj spid="_x0000_s202818" name="Equation" r:id="rId4" imgW="1739880" imgH="507960" progId="Equation.DSMT4">
                   <p:embed/>
                 </p:oleObj>
               </mc:Choice>
@@ -10163,7 +10295,7 @@
           <a:graphicData uri="http://schemas.openxmlformats.org/presentationml/2006/ole">
             <mc:AlternateContent xmlns:mc="http://schemas.openxmlformats.org/markup-compatibility/2006">
               <mc:Choice xmlns:v="urn:schemas-microsoft-com:vml" Requires="v">
-                <p:oleObj spid="_x0000_s202814" name="Equation" r:id="rId6" imgW="1955520" imgH="507960" progId="Equation.DSMT4">
+                <p:oleObj spid="_x0000_s202819" name="Equation" r:id="rId6" imgW="1955520" imgH="507960" progId="Equation.DSMT4">
                   <p:embed/>
                 </p:oleObj>
               </mc:Choice>
@@ -10247,7 +10379,14 @@
                 <a:latin typeface="Comic Sans MS"/>
                 <a:cs typeface="Comic Sans MS"/>
               </a:rPr>
-              <a:t> 12W.</a:t>
+              <a:t> </a:t>
+            </a:r>
+            <a:r>
+              <a:rPr lang="en-US" sz="1200" dirty="0" smtClean="0">
+                <a:latin typeface="Comic Sans MS"/>
+                <a:cs typeface="Comic Sans MS"/>
+              </a:rPr>
+              <a:t>12F.</a:t>
             </a:r>
             <a:fld id="{93DA0692-DAF7-4AFE-9BE7-E02439D3694A}" type="slidenum">
               <a:rPr lang="en-US" sz="1200" smtClean="0">

--- a/spring12/slidesS12/expected-heads.pptx
+++ b/spring12/slidesS12/expected-heads.pptx
@@ -2211,11 +2211,7 @@
             </a:r>
             <a:r>
               <a:rPr lang="en-US" dirty="0" smtClean="0"/>
-              <a:t> </a:t>
-            </a:r>
-            <a:r>
-              <a:rPr lang="en-US" dirty="0" smtClean="0"/>
-              <a:t>12F.</a:t>
+              <a:t> 12F.</a:t>
             </a:r>
             <a:fld id="{FC9265C7-2444-489D-860F-86AAC4235083}" type="slidenum">
               <a:rPr lang="en-US" smtClean="0"/>
@@ -2390,11 +2386,7 @@
             </a:r>
             <a:r>
               <a:rPr lang="en-US" dirty="0" smtClean="0"/>
-              <a:t> </a:t>
-            </a:r>
-            <a:r>
-              <a:rPr lang="en-US" dirty="0" smtClean="0"/>
-              <a:t>12F.</a:t>
+              <a:t> 12F.</a:t>
             </a:r>
             <a:fld id="{7886A709-CED2-48A3-8616-B2655C008ECB}" type="slidenum">
               <a:rPr lang="en-US" smtClean="0"/>
@@ -2490,11 +2482,7 @@
             </a:r>
             <a:r>
               <a:rPr lang="en-US" dirty="0" smtClean="0"/>
-              <a:t> </a:t>
-            </a:r>
-            <a:r>
-              <a:rPr lang="en-US" dirty="0" smtClean="0"/>
-              <a:t>12F.</a:t>
+              <a:t> 12F.</a:t>
             </a:r>
             <a:fld id="{9B55653B-1858-43BF-A49A-533C730B553F}" type="slidenum">
               <a:rPr lang="en-US" smtClean="0"/>
@@ -2563,11 +2551,7 @@
             </a:r>
             <a:r>
               <a:rPr lang="en-US" dirty="0" smtClean="0"/>
-              <a:t> </a:t>
-            </a:r>
-            <a:r>
-              <a:rPr lang="en-US" dirty="0" smtClean="0"/>
-              <a:t>12F.</a:t>
+              <a:t> 12F.</a:t>
             </a:r>
             <a:fld id="{4E62291C-8AD8-4AE0-8F6D-A8437E91FB33}" type="slidenum">
               <a:rPr lang="en-US" smtClean="0"/>
@@ -2778,11 +2762,7 @@
             </a:r>
             <a:r>
               <a:rPr lang="en-US" dirty="0" smtClean="0"/>
-              <a:t> </a:t>
-            </a:r>
-            <a:r>
-              <a:rPr lang="en-US" dirty="0" smtClean="0"/>
-              <a:t>12F.</a:t>
+              <a:t> 12F.</a:t>
             </a:r>
             <a:fld id="{7886A709-CED2-48A3-8616-B2655C008ECB}" type="slidenum">
               <a:rPr lang="en-US" smtClean="0"/>
@@ -2878,37 +2858,7 @@
                 <a:uFillTx/>
                 <a:latin typeface="Comic Sans MS" pitchFamily="66" charset="0"/>
               </a:rPr>
-              <a:t>Albert R Meyer,            May </a:t>
-            </a:r>
-            <a:r>
-              <a:rPr kumimoji="0" lang="en-US" sz="1200" b="0" i="0" u="none" strike="noStrike" kern="1200" cap="none" spc="0" normalizeH="0" baseline="0" noProof="0" dirty="0" smtClean="0">
-                <a:ln>
-                  <a:noFill/>
-                </a:ln>
-                <a:solidFill>
-                  <a:schemeClr val="tx1"/>
-                </a:solidFill>
-                <a:effectLst/>
-                <a:uLnTx/>
-                <a:uFillTx/>
-                <a:latin typeface="Comic Sans MS" pitchFamily="66" charset="0"/>
-              </a:rPr>
-              <a:t>4, </a:t>
-            </a:r>
-            <a:r>
-              <a:rPr kumimoji="0" lang="en-US" sz="1200" b="0" i="0" u="none" strike="noStrike" kern="1200" cap="none" spc="0" normalizeH="0" baseline="0" noProof="0" dirty="0" smtClean="0">
-                <a:ln>
-                  <a:noFill/>
-                </a:ln>
-                <a:solidFill>
-                  <a:schemeClr val="tx1"/>
-                </a:solidFill>
-                <a:effectLst/>
-                <a:uLnTx/>
-                <a:uFillTx/>
-                <a:latin typeface="Comic Sans MS" pitchFamily="66" charset="0"/>
-              </a:rPr>
-              <a:t>2012</a:t>
+              <a:t>Albert R Meyer,            May 4, 2012</a:t>
             </a:r>
             <a:endParaRPr kumimoji="0" lang="en-US" sz="1200" b="0" i="0" u="none" strike="noStrike" kern="1200" cap="none" spc="0" normalizeH="0" baseline="0" noProof="0" dirty="0">
               <a:ln>
@@ -3530,11 +3480,7 @@
             </a:r>
             <a:r>
               <a:rPr lang="en-US" dirty="0" smtClean="0"/>
-              <a:t> </a:t>
-            </a:r>
-            <a:r>
-              <a:rPr lang="en-US" dirty="0" smtClean="0"/>
-              <a:t>12F.</a:t>
+              <a:t> 12F.</a:t>
             </a:r>
             <a:fld id="{93DA0692-DAF7-4AFE-9BE7-E02439D3694A}" type="slidenum">
               <a:rPr lang="en-US" smtClean="0"/>
@@ -3604,7 +3550,7 @@
           <a:graphicData uri="http://schemas.openxmlformats.org/presentationml/2006/ole">
             <mc:AlternateContent xmlns:mc="http://schemas.openxmlformats.org/markup-compatibility/2006">
               <mc:Choice xmlns:v="urn:schemas-microsoft-com:vml" Requires="v">
-                <p:oleObj spid="_x0000_s583697" name="Equation" r:id="rId4" imgW="1739880" imgH="507960" progId="Equation.DSMT4">
+                <p:oleObj spid="_x0000_s583702" name="Equation" r:id="rId4" imgW="1739880" imgH="507960" progId="Equation.DSMT4">
                   <p:embed/>
                 </p:oleObj>
               </mc:Choice>
@@ -3699,7 +3645,7 @@
           <a:graphicData uri="http://schemas.openxmlformats.org/presentationml/2006/ole">
             <mc:AlternateContent xmlns:mc="http://schemas.openxmlformats.org/markup-compatibility/2006">
               <mc:Choice xmlns:v="urn:schemas-microsoft-com:vml" Requires="v">
-                <p:oleObj spid="_x0000_s583698" name="Equation" r:id="rId6" imgW="1866900" imgH="520700" progId="Equation.DSMT4">
+                <p:oleObj spid="_x0000_s583703" name="Equation" r:id="rId6" imgW="1866900" imgH="520700" progId="Equation.DSMT4">
                   <p:embed/>
                 </p:oleObj>
               </mc:Choice>
@@ -3777,14 +3723,7 @@
                 <a:latin typeface="Comic Sans MS"/>
                 <a:cs typeface="Comic Sans MS"/>
               </a:rPr>
-              <a:t> </a:t>
-            </a:r>
-            <a:r>
-              <a:rPr lang="en-US" sz="1200" dirty="0" smtClean="0">
-                <a:latin typeface="Comic Sans MS"/>
-                <a:cs typeface="Comic Sans MS"/>
-              </a:rPr>
-              <a:t>12F.</a:t>
+              <a:t> 12F.</a:t>
             </a:r>
             <a:fld id="{93DA0692-DAF7-4AFE-9BE7-E02439D3694A}" type="slidenum">
               <a:rPr lang="en-US" sz="1200" smtClean="0">
@@ -3865,7 +3804,7 @@
           <a:graphicData uri="http://schemas.openxmlformats.org/presentationml/2006/ole">
             <mc:AlternateContent xmlns:mc="http://schemas.openxmlformats.org/markup-compatibility/2006">
               <mc:Choice xmlns:v="urn:schemas-microsoft-com:vml" Requires="v">
-                <p:oleObj spid="_x0000_s584733" name="Equation" r:id="rId4" imgW="1739880" imgH="507960" progId="Equation.DSMT4">
+                <p:oleObj spid="_x0000_s584740" name="Equation" r:id="rId4" imgW="1739880" imgH="507960" progId="Equation.DSMT4">
                   <p:embed/>
                 </p:oleObj>
               </mc:Choice>
@@ -3960,7 +3899,7 @@
           <a:graphicData uri="http://schemas.openxmlformats.org/presentationml/2006/ole">
             <mc:AlternateContent xmlns:mc="http://schemas.openxmlformats.org/markup-compatibility/2006">
               <mc:Choice xmlns:v="urn:schemas-microsoft-com:vml" Requires="v">
-                <p:oleObj spid="_x0000_s584734" name="Equation" r:id="rId6" imgW="1600200" imgH="520700" progId="Equation.DSMT4">
+                <p:oleObj spid="_x0000_s584741" name="Equation" r:id="rId6" imgW="1600200" imgH="520700" progId="Equation.DSMT4">
                   <p:embed/>
                 </p:oleObj>
               </mc:Choice>
@@ -4038,14 +3977,7 @@
                 <a:latin typeface="Comic Sans MS"/>
                 <a:cs typeface="Comic Sans MS"/>
               </a:rPr>
-              <a:t> </a:t>
-            </a:r>
-            <a:r>
-              <a:rPr lang="en-US" sz="1200" dirty="0" smtClean="0">
-                <a:latin typeface="Comic Sans MS"/>
-                <a:cs typeface="Comic Sans MS"/>
-              </a:rPr>
-              <a:t>12F.</a:t>
+              <a:t> 12F.</a:t>
             </a:r>
             <a:fld id="{93DA0692-DAF7-4AFE-9BE7-E02439D3694A}" type="slidenum">
               <a:rPr lang="en-US" sz="1200" smtClean="0">
@@ -4086,7 +4018,7 @@
           <a:graphicData uri="http://schemas.openxmlformats.org/presentationml/2006/ole">
             <mc:AlternateContent xmlns:mc="http://schemas.openxmlformats.org/markup-compatibility/2006">
               <mc:Choice xmlns:v="urn:schemas-microsoft-com:vml" Requires="v">
-                <p:oleObj spid="_x0000_s584735" name="Equation" r:id="rId8" imgW="850900" imgH="355600" progId="Equation.DSMT4">
+                <p:oleObj spid="_x0000_s584742" name="Equation" r:id="rId8" imgW="850900" imgH="355600" progId="Equation.DSMT4">
                   <p:embed/>
                 </p:oleObj>
               </mc:Choice>
@@ -4433,14 +4365,7 @@
                 <a:latin typeface="Comic Sans MS"/>
                 <a:cs typeface="Comic Sans MS"/>
               </a:rPr>
-              <a:t> </a:t>
-            </a:r>
-            <a:r>
-              <a:rPr lang="en-US" sz="1200" dirty="0" smtClean="0">
-                <a:latin typeface="Comic Sans MS"/>
-                <a:cs typeface="Comic Sans MS"/>
-              </a:rPr>
-              <a:t>12F.</a:t>
+              <a:t> 12F.</a:t>
             </a:r>
             <a:fld id="{93DA0692-DAF7-4AFE-9BE7-E02439D3694A}" type="slidenum">
               <a:rPr lang="en-US" sz="1200" smtClean="0">
@@ -4481,7 +4406,7 @@
           <a:graphicData uri="http://schemas.openxmlformats.org/presentationml/2006/ole">
             <mc:AlternateContent xmlns:mc="http://schemas.openxmlformats.org/markup-compatibility/2006">
               <mc:Choice xmlns:v="urn:schemas-microsoft-com:vml" Requires="v">
-                <p:oleObj spid="_x0000_s211010" name="Equation" r:id="rId4" imgW="1651000" imgH="495300" progId="Equation.DSMT4">
+                <p:oleObj spid="_x0000_s211015" name="Equation" r:id="rId4" imgW="1651000" imgH="495300" progId="Equation.DSMT4">
                   <p:embed/>
                 </p:oleObj>
               </mc:Choice>
@@ -4551,7 +4476,7 @@
           <a:graphicData uri="http://schemas.openxmlformats.org/presentationml/2006/ole">
             <mc:AlternateContent xmlns:mc="http://schemas.openxmlformats.org/markup-compatibility/2006">
               <mc:Choice xmlns:v="urn:schemas-microsoft-com:vml" Requires="v">
-                <p:oleObj spid="_x0000_s211011" name="Equation" r:id="rId6" imgW="1930400" imgH="381000" progId="Equation.DSMT4">
+                <p:oleObj spid="_x0000_s211016" name="Equation" r:id="rId6" imgW="1930400" imgH="381000" progId="Equation.DSMT4">
                   <p:embed/>
                 </p:oleObj>
               </mc:Choice>
@@ -5348,7 +5273,7 @@
           <a:graphicData uri="http://schemas.openxmlformats.org/presentationml/2006/ole">
             <mc:AlternateContent xmlns:mc="http://schemas.openxmlformats.org/markup-compatibility/2006">
               <mc:Choice xmlns:v="urn:schemas-microsoft-com:vml" Requires="v">
-                <p:oleObj spid="_x0000_s213032" name="Equation" r:id="rId4" imgW="914400" imgH="220320" progId="Equation.DSMT4">
+                <p:oleObj spid="_x0000_s213035" name="Equation" r:id="rId4" imgW="914400" imgH="220320" progId="Equation.DSMT4">
                   <p:embed/>
                 </p:oleObj>
               </mc:Choice>
@@ -5564,14 +5489,7 @@
                 <a:latin typeface="Comic Sans MS"/>
                 <a:cs typeface="Comic Sans MS"/>
               </a:rPr>
-              <a:t> </a:t>
-            </a:r>
-            <a:r>
-              <a:rPr lang="en-US" sz="1200" dirty="0" smtClean="0">
-                <a:latin typeface="Comic Sans MS"/>
-                <a:cs typeface="Comic Sans MS"/>
-              </a:rPr>
-              <a:t>12F.</a:t>
+              <a:t> 12F.</a:t>
             </a:r>
             <a:fld id="{93DA0692-DAF7-4AFE-9BE7-E02439D3694A}" type="slidenum">
               <a:rPr lang="en-US" sz="1200" smtClean="0">
@@ -6511,7 +6429,7 @@
           <a:graphicData uri="http://schemas.openxmlformats.org/presentationml/2006/ole">
             <mc:AlternateContent xmlns:mc="http://schemas.openxmlformats.org/markup-compatibility/2006">
               <mc:Choice xmlns:v="urn:schemas-microsoft-com:vml" Requires="v">
-                <p:oleObj spid="_x0000_s1086" name="Equation" r:id="rId4" imgW="914400" imgH="220320" progId="Equation.DSMT4">
+                <p:oleObj spid="_x0000_s1091" name="Equation" r:id="rId4" imgW="914400" imgH="220320" progId="Equation.DSMT4">
                   <p:embed/>
                 </p:oleObj>
               </mc:Choice>
@@ -6581,7 +6499,7 @@
           <a:graphicData uri="http://schemas.openxmlformats.org/presentationml/2006/ole">
             <mc:AlternateContent xmlns:mc="http://schemas.openxmlformats.org/markup-compatibility/2006">
               <mc:Choice xmlns:v="urn:schemas-microsoft-com:vml" Requires="v">
-                <p:oleObj spid="_x0000_s1087" name="Equation" r:id="rId6" imgW="634680" imgH="304560" progId="Equation.DSMT4">
+                <p:oleObj spid="_x0000_s1092" name="Equation" r:id="rId6" imgW="634680" imgH="304560" progId="Equation.DSMT4">
                   <p:embed/>
                 </p:oleObj>
               </mc:Choice>
@@ -6709,11 +6627,11 @@
             <a:avLst/>
           </a:prstGeom>
           <a:noFill/>
-          <a:ln w="28575" cap="flat" cmpd="sng" algn="ctr">
+          <a:ln w="34925" cap="flat" cmpd="sng" algn="ctr">
             <a:solidFill>
               <a:srgbClr val="FF00FF"/>
             </a:solidFill>
-            <a:prstDash val="solid"/>
+            <a:prstDash val="sysDash"/>
             <a:round/>
             <a:headEnd type="none" w="med" len="med"/>
             <a:tailEnd type="arrow" w="lg" len="lg"/>
@@ -6795,14 +6713,7 @@
                 <a:latin typeface="Comic Sans MS"/>
                 <a:cs typeface="Comic Sans MS"/>
               </a:rPr>
-              <a:t> </a:t>
-            </a:r>
-            <a:r>
-              <a:rPr lang="en-US" sz="1200" dirty="0" smtClean="0">
-                <a:latin typeface="Comic Sans MS"/>
-                <a:cs typeface="Comic Sans MS"/>
-              </a:rPr>
-              <a:t>12F.</a:t>
+              <a:t> 12F.</a:t>
             </a:r>
             <a:fld id="{93DA0692-DAF7-4AFE-9BE7-E02439D3694A}" type="slidenum">
               <a:rPr lang="en-US" sz="1200" smtClean="0">
@@ -6826,13 +6737,13 @@
   <p:clrMapOvr>
     <a:masterClrMapping/>
   </p:clrMapOvr>
-  <mc:AlternateContent xmlns:mc="http://schemas.openxmlformats.org/markup-compatibility/2006" xmlns:p14="http://schemas.microsoft.com/office/powerpoint/2010/main">
-    <mc:Choice Requires="p14">
-      <p:transition spd="med" p14:dur="700">
+  <mc:AlternateContent xmlns:mc="http://schemas.openxmlformats.org/markup-compatibility/2006">
+    <mc:Choice xmlns:p14="http://schemas.microsoft.com/office/powerpoint/2010/main" Requires="p14">
+      <p:transition spd="med" p14:dur="600">
         <p:fade/>
       </p:transition>
     </mc:Choice>
-    <mc:Fallback xmlns="">
+    <mc:Fallback>
       <p:transition xmlns:p14="http://schemas.microsoft.com/office/powerpoint/2010/main" spd="med">
         <p:fade/>
       </p:transition>
@@ -6841,284 +6752,9 @@
   <p:timing>
     <p:tnLst>
       <p:par>
-        <p:cTn xmlns:p14="http://schemas.microsoft.com/office/powerpoint/2010/main" id="1" dur="indefinite" restart="never" nodeType="tmRoot">
-          <p:childTnLst>
-            <p:seq concurrent="1" nextAc="seek">
-              <p:cTn id="2" dur="indefinite" nodeType="mainSeq">
-                <p:childTnLst>
-                  <p:par>
-                    <p:cTn id="3" fill="hold">
-                      <p:stCondLst>
-                        <p:cond delay="indefinite"/>
-                        <p:cond evt="onBegin" delay="0">
-                          <p:tn val="2"/>
-                        </p:cond>
-                      </p:stCondLst>
-                      <p:childTnLst>
-                        <p:par>
-                          <p:cTn id="4" fill="hold">
-                            <p:stCondLst>
-                              <p:cond delay="0"/>
-                            </p:stCondLst>
-                            <p:childTnLst>
-                              <p:par>
-                                <p:cTn id="5" presetID="15" presetClass="entr" presetSubtype="0" fill="hold" nodeType="afterEffect">
-                                  <p:stCondLst>
-                                    <p:cond delay="0"/>
-                                  </p:stCondLst>
-                                  <p:childTnLst>
-                                    <p:set>
-                                      <p:cBhvr>
-                                        <p:cTn id="6" dur="1" fill="hold">
-                                          <p:stCondLst>
-                                            <p:cond delay="0"/>
-                                          </p:stCondLst>
-                                        </p:cTn>
-                                        <p:tgtEl>
-                                          <p:spTgt spid="9">
-                                            <p:txEl>
-                                              <p:pRg st="0" end="0"/>
-                                            </p:txEl>
-                                          </p:spTgt>
-                                        </p:tgtEl>
-                                        <p:attrNameLst>
-                                          <p:attrName>style.visibility</p:attrName>
-                                        </p:attrNameLst>
-                                      </p:cBhvr>
-                                      <p:to>
-                                        <p:strVal val="visible"/>
-                                      </p:to>
-                                    </p:set>
-                                    <p:anim calcmode="lin" valueType="num">
-                                      <p:cBhvr>
-                                        <p:cTn id="7" dur="1000" fill="hold"/>
-                                        <p:tgtEl>
-                                          <p:spTgt spid="9">
-                                            <p:txEl>
-                                              <p:pRg st="0" end="0"/>
-                                            </p:txEl>
-                                          </p:spTgt>
-                                        </p:tgtEl>
-                                        <p:attrNameLst>
-                                          <p:attrName>ppt_w</p:attrName>
-                                        </p:attrNameLst>
-                                      </p:cBhvr>
-                                      <p:tavLst>
-                                        <p:tav tm="0">
-                                          <p:val>
-                                            <p:fltVal val="0"/>
-                                          </p:val>
-                                        </p:tav>
-                                        <p:tav tm="100000">
-                                          <p:val>
-                                            <p:strVal val="#ppt_w"/>
-                                          </p:val>
-                                        </p:tav>
-                                      </p:tavLst>
-                                    </p:anim>
-                                    <p:anim calcmode="lin" valueType="num">
-                                      <p:cBhvr>
-                                        <p:cTn id="8" dur="1000" fill="hold"/>
-                                        <p:tgtEl>
-                                          <p:spTgt spid="9">
-                                            <p:txEl>
-                                              <p:pRg st="0" end="0"/>
-                                            </p:txEl>
-                                          </p:spTgt>
-                                        </p:tgtEl>
-                                        <p:attrNameLst>
-                                          <p:attrName>ppt_h</p:attrName>
-                                        </p:attrNameLst>
-                                      </p:cBhvr>
-                                      <p:tavLst>
-                                        <p:tav tm="0">
-                                          <p:val>
-                                            <p:fltVal val="0"/>
-                                          </p:val>
-                                        </p:tav>
-                                        <p:tav tm="100000">
-                                          <p:val>
-                                            <p:strVal val="#ppt_h"/>
-                                          </p:val>
-                                        </p:tav>
-                                      </p:tavLst>
-                                    </p:anim>
-                                    <p:anim calcmode="lin" valueType="num">
-                                      <p:cBhvr>
-                                        <p:cTn id="9" dur="1000" fill="hold"/>
-                                        <p:tgtEl>
-                                          <p:spTgt spid="9">
-                                            <p:txEl>
-                                              <p:pRg st="0" end="0"/>
-                                            </p:txEl>
-                                          </p:spTgt>
-                                        </p:tgtEl>
-                                        <p:attrNameLst>
-                                          <p:attrName>ppt_x</p:attrName>
-                                        </p:attrNameLst>
-                                      </p:cBhvr>
-                                      <p:tavLst>
-                                        <p:tav tm="0" fmla="#ppt_x+(cos(-2*pi*(1-$))*-#ppt_x-sin(-2*pi*(1-$))*(1-#ppt_y))*(1-$)">
-                                          <p:val>
-                                            <p:fltVal val="0"/>
-                                          </p:val>
-                                        </p:tav>
-                                        <p:tav tm="100000">
-                                          <p:val>
-                                            <p:fltVal val="1"/>
-                                          </p:val>
-                                        </p:tav>
-                                      </p:tavLst>
-                                    </p:anim>
-                                    <p:anim calcmode="lin" valueType="num">
-                                      <p:cBhvr>
-                                        <p:cTn id="10" dur="1000" fill="hold"/>
-                                        <p:tgtEl>
-                                          <p:spTgt spid="9">
-                                            <p:txEl>
-                                              <p:pRg st="0" end="0"/>
-                                            </p:txEl>
-                                          </p:spTgt>
-                                        </p:tgtEl>
-                                        <p:attrNameLst>
-                                          <p:attrName>ppt_y</p:attrName>
-                                        </p:attrNameLst>
-                                      </p:cBhvr>
-                                      <p:tavLst>
-                                        <p:tav tm="0" fmla="#ppt_y+(sin(-2*pi*(1-$))*-#ppt_x+cos(-2*pi*(1-$))*(1-#ppt_y))*(1-$)">
-                                          <p:val>
-                                            <p:fltVal val="0"/>
-                                          </p:val>
-                                        </p:tav>
-                                        <p:tav tm="100000">
-                                          <p:val>
-                                            <p:fltVal val="1"/>
-                                          </p:val>
-                                        </p:tav>
-                                      </p:tavLst>
-                                    </p:anim>
-                                  </p:childTnLst>
-                                </p:cTn>
-                              </p:par>
-                            </p:childTnLst>
-                          </p:cTn>
-                        </p:par>
-                      </p:childTnLst>
-                    </p:cTn>
-                  </p:par>
-                  <p:par>
-                    <p:cTn id="11" fill="hold">
-                      <p:stCondLst>
-                        <p:cond delay="indefinite"/>
-                      </p:stCondLst>
-                      <p:childTnLst>
-                        <p:par>
-                          <p:cTn id="12" fill="hold">
-                            <p:stCondLst>
-                              <p:cond delay="0"/>
-                            </p:stCondLst>
-                            <p:childTnLst>
-                              <p:par>
-                                <p:cTn id="13" presetID="1" presetClass="entr" presetSubtype="0" fill="hold" nodeType="clickEffect">
-                                  <p:stCondLst>
-                                    <p:cond delay="0"/>
-                                  </p:stCondLst>
-                                  <p:childTnLst>
-                                    <p:set>
-                                      <p:cBhvr>
-                                        <p:cTn id="14" dur="1" fill="hold">
-                                          <p:stCondLst>
-                                            <p:cond delay="0"/>
-                                          </p:stCondLst>
-                                        </p:cTn>
-                                        <p:tgtEl>
-                                          <p:spTgt spid="189445"/>
-                                        </p:tgtEl>
-                                        <p:attrNameLst>
-                                          <p:attrName>style.visibility</p:attrName>
-                                        </p:attrNameLst>
-                                      </p:cBhvr>
-                                      <p:to>
-                                        <p:strVal val="visible"/>
-                                      </p:to>
-                                    </p:set>
-                                  </p:childTnLst>
-                                </p:cTn>
-                              </p:par>
-                            </p:childTnLst>
-                          </p:cTn>
-                        </p:par>
-                        <p:par>
-                          <p:cTn id="15" fill="hold">
-                            <p:stCondLst>
-                              <p:cond delay="0"/>
-                            </p:stCondLst>
-                            <p:childTnLst>
-                              <p:par>
-                                <p:cTn id="16" presetID="9" presetClass="entr" presetSubtype="0" fill="hold" grpId="0" nodeType="afterEffect">
-                                  <p:stCondLst>
-                                    <p:cond delay="0"/>
-                                  </p:stCondLst>
-                                  <p:childTnLst>
-                                    <p:set>
-                                      <p:cBhvr>
-                                        <p:cTn id="17" dur="1" fill="hold">
-                                          <p:stCondLst>
-                                            <p:cond delay="0"/>
-                                          </p:stCondLst>
-                                        </p:cTn>
-                                        <p:tgtEl>
-                                          <p:spTgt spid="10"/>
-                                        </p:tgtEl>
-                                        <p:attrNameLst>
-                                          <p:attrName>style.visibility</p:attrName>
-                                        </p:attrNameLst>
-                                      </p:cBhvr>
-                                      <p:to>
-                                        <p:strVal val="visible"/>
-                                      </p:to>
-                                    </p:set>
-                                    <p:animEffect transition="in" filter="dissolve">
-                                      <p:cBhvr>
-                                        <p:cTn id="18" dur="500"/>
-                                        <p:tgtEl>
-                                          <p:spTgt spid="10"/>
-                                        </p:tgtEl>
-                                      </p:cBhvr>
-                                    </p:animEffect>
-                                  </p:childTnLst>
-                                </p:cTn>
-                              </p:par>
-                            </p:childTnLst>
-                          </p:cTn>
-                        </p:par>
-                      </p:childTnLst>
-                    </p:cTn>
-                  </p:par>
-                </p:childTnLst>
-              </p:cTn>
-              <p:prevCondLst>
-                <p:cond evt="onPrev" delay="0">
-                  <p:tgtEl>
-                    <p:sldTgt/>
-                  </p:tgtEl>
-                </p:cond>
-              </p:prevCondLst>
-              <p:nextCondLst>
-                <p:cond evt="onNext" delay="0">
-                  <p:tgtEl>
-                    <p:sldTgt/>
-                  </p:tgtEl>
-                </p:cond>
-              </p:nextCondLst>
-            </p:seq>
-          </p:childTnLst>
-        </p:cTn>
+        <p:cTn xmlns:p14="http://schemas.microsoft.com/office/powerpoint/2010/main" id="1" dur="indefinite" restart="never" nodeType="tmRoot"/>
       </p:par>
     </p:tnLst>
-    <p:bldLst>
-      <p:bldP spid="10" grpId="0" animBg="1"/>
-    </p:bldLst>
   </p:timing>
 </p:sld>
 </file>
@@ -7232,11 +6868,7 @@
             </a:r>
             <a:r>
               <a:rPr lang="en-US" dirty="0" smtClean="0"/>
-              <a:t> </a:t>
-            </a:r>
-            <a:r>
-              <a:rPr lang="en-US" dirty="0" smtClean="0"/>
-              <a:t>12F.</a:t>
+              <a:t> 12F.</a:t>
             </a:r>
             <a:fld id="{93DA0692-DAF7-4AFE-9BE7-E02439D3694A}" type="slidenum">
               <a:rPr lang="en-US" smtClean="0"/>
@@ -7308,11 +6940,7 @@
             </a:r>
             <a:r>
               <a:rPr lang="en-US" dirty="0" smtClean="0"/>
-              <a:t> </a:t>
-            </a:r>
-            <a:r>
-              <a:rPr lang="en-US" dirty="0" smtClean="0"/>
-              <a:t>12F.</a:t>
+              <a:t> 12F.</a:t>
             </a:r>
             <a:fld id="{39196791-36AF-407D-9527-253971E27E13}" type="slidenum">
               <a:rPr lang="en-US" smtClean="0"/>
@@ -7420,7 +7048,7 @@
           <a:graphicData uri="http://schemas.openxmlformats.org/presentationml/2006/ole">
             <mc:AlternateContent xmlns:mc="http://schemas.openxmlformats.org/markup-compatibility/2006">
               <mc:Choice xmlns:v="urn:schemas-microsoft-com:vml" Requires="v">
-                <p:oleObj spid="_x0000_s486462" name="Equation" r:id="rId4" imgW="2171700" imgH="533400" progId="Equation.DSMT4">
+                <p:oleObj spid="_x0000_s486467" name="Equation" r:id="rId4" imgW="2171700" imgH="533400" progId="Equation.DSMT4">
                   <p:embed/>
                 </p:oleObj>
               </mc:Choice>
@@ -7518,7 +7146,7 @@
           <a:graphicData uri="http://schemas.openxmlformats.org/presentationml/2006/ole">
             <mc:AlternateContent xmlns:mc="http://schemas.openxmlformats.org/markup-compatibility/2006">
               <mc:Choice xmlns:v="urn:schemas-microsoft-com:vml" Requires="v">
-                <p:oleObj spid="_x0000_s486463" name="Equation" r:id="rId6" imgW="1308100" imgH="342900" progId="Equation.DSMT4">
+                <p:oleObj spid="_x0000_s486468" name="Equation" r:id="rId6" imgW="1308100" imgH="342900" progId="Equation.DSMT4">
                   <p:embed/>
                 </p:oleObj>
               </mc:Choice>
@@ -8062,11 +7690,11 @@
               <a:avLst/>
             </a:prstGeom>
             <a:noFill/>
-            <a:ln w="28575" cap="flat" cmpd="sng" algn="ctr">
+            <a:ln w="34925" cap="flat" cmpd="sng" algn="ctr">
               <a:solidFill>
                 <a:srgbClr val="FF00FF"/>
               </a:solidFill>
-              <a:prstDash val="solid"/>
+              <a:prstDash val="sysDash"/>
               <a:round/>
               <a:headEnd type="none" w="med" len="med"/>
               <a:tailEnd type="arrow" w="lg" len="lg"/>
@@ -8125,11 +7753,11 @@
               <a:avLst/>
             </a:prstGeom>
             <a:noFill/>
-            <a:ln w="28575" cap="flat" cmpd="sng" algn="ctr">
+            <a:ln w="34925" cap="flat" cmpd="sng" algn="ctr">
               <a:solidFill>
                 <a:srgbClr val="FF00FF"/>
               </a:solidFill>
-              <a:prstDash val="solid"/>
+              <a:prstDash val="sysDash"/>
               <a:round/>
               <a:headEnd type="none" w="med" len="med"/>
               <a:tailEnd type="arrow" w="lg" len="lg"/>
@@ -8212,14 +7840,7 @@
                 <a:latin typeface="Comic Sans MS"/>
                 <a:cs typeface="Comic Sans MS"/>
               </a:rPr>
-              <a:t> </a:t>
-            </a:r>
-            <a:r>
-              <a:rPr lang="en-US" sz="1200" dirty="0" smtClean="0">
-                <a:latin typeface="Comic Sans MS"/>
-                <a:cs typeface="Comic Sans MS"/>
-              </a:rPr>
-              <a:t>12F.</a:t>
+              <a:t> 12F.</a:t>
             </a:r>
             <a:fld id="{93DA0692-DAF7-4AFE-9BE7-E02439D3694A}" type="slidenum">
               <a:rPr lang="en-US" sz="1200" smtClean="0">
@@ -8681,7 +8302,7 @@
           <a:graphicData uri="http://schemas.openxmlformats.org/presentationml/2006/ole">
             <mc:AlternateContent xmlns:mc="http://schemas.openxmlformats.org/markup-compatibility/2006">
               <mc:Choice xmlns:v="urn:schemas-microsoft-com:vml" Requires="v">
-                <p:oleObj spid="_x0000_s198718" name="Equation" r:id="rId4" imgW="1549400" imgH="520700" progId="Equation.DSMT4">
+                <p:oleObj spid="_x0000_s198723" name="Equation" r:id="rId4" imgW="1549400" imgH="520700" progId="Equation.DSMT4">
                   <p:embed/>
                 </p:oleObj>
               </mc:Choice>
@@ -8846,7 +8467,7 @@
           <a:graphicData uri="http://schemas.openxmlformats.org/presentationml/2006/ole">
             <mc:AlternateContent xmlns:mc="http://schemas.openxmlformats.org/markup-compatibility/2006">
               <mc:Choice xmlns:v="urn:schemas-microsoft-com:vml" Requires="v">
-                <p:oleObj spid="_x0000_s198719" name="Equation" r:id="rId6" imgW="2032000" imgH="368300" progId="Equation.DSMT4">
+                <p:oleObj spid="_x0000_s198724" name="Equation" r:id="rId6" imgW="2032000" imgH="368300" progId="Equation.DSMT4">
                   <p:embed/>
                 </p:oleObj>
               </mc:Choice>
@@ -8924,14 +8545,7 @@
                 <a:latin typeface="Comic Sans MS"/>
                 <a:cs typeface="Comic Sans MS"/>
               </a:rPr>
-              <a:t> </a:t>
-            </a:r>
-            <a:r>
-              <a:rPr lang="en-US" sz="1200" dirty="0" smtClean="0">
-                <a:latin typeface="Comic Sans MS"/>
-                <a:cs typeface="Comic Sans MS"/>
-              </a:rPr>
-              <a:t>12F.</a:t>
+              <a:t> 12F.</a:t>
             </a:r>
             <a:fld id="{93DA0692-DAF7-4AFE-9BE7-E02439D3694A}" type="slidenum">
               <a:rPr lang="en-US" sz="1200" smtClean="0">
@@ -8961,7 +8575,136 @@
   <p:timing>
     <p:tnLst>
       <p:par>
-        <p:cTn xmlns:p14="http://schemas.microsoft.com/office/powerpoint/2010/main" id="1" dur="indefinite" restart="never" nodeType="tmRoot"/>
+        <p:cTn xmlns:p14="http://schemas.microsoft.com/office/powerpoint/2010/main" id="1" dur="indefinite" restart="never" nodeType="tmRoot">
+          <p:childTnLst>
+            <p:seq concurrent="1" nextAc="seek">
+              <p:cTn id="2" dur="indefinite" nodeType="mainSeq">
+                <p:childTnLst>
+                  <p:par>
+                    <p:cTn id="3" fill="hold">
+                      <p:stCondLst>
+                        <p:cond delay="indefinite"/>
+                      </p:stCondLst>
+                      <p:childTnLst>
+                        <p:par>
+                          <p:cTn id="4" fill="hold">
+                            <p:stCondLst>
+                              <p:cond delay="0"/>
+                            </p:stCondLst>
+                            <p:childTnLst>
+                              <p:par>
+                                <p:cTn id="5" presetID="22" presetClass="entr" presetSubtype="8" fill="hold" nodeType="clickEffect">
+                                  <p:stCondLst>
+                                    <p:cond delay="0"/>
+                                  </p:stCondLst>
+                                  <p:childTnLst>
+                                    <p:set>
+                                      <p:cBhvr>
+                                        <p:cTn id="6" dur="1" fill="hold">
+                                          <p:stCondLst>
+                                            <p:cond delay="0"/>
+                                          </p:stCondLst>
+                                        </p:cTn>
+                                        <p:tgtEl>
+                                          <p:spTgt spid="188420"/>
+                                        </p:tgtEl>
+                                        <p:attrNameLst>
+                                          <p:attrName>style.visibility</p:attrName>
+                                        </p:attrNameLst>
+                                      </p:cBhvr>
+                                      <p:to>
+                                        <p:strVal val="visible"/>
+                                      </p:to>
+                                    </p:set>
+                                    <p:animEffect transition="in" filter="wipe(left)">
+                                      <p:cBhvr>
+                                        <p:cTn id="7" dur="1000"/>
+                                        <p:tgtEl>
+                                          <p:spTgt spid="188420"/>
+                                        </p:tgtEl>
+                                      </p:cBhvr>
+                                    </p:animEffect>
+                                  </p:childTnLst>
+                                </p:cTn>
+                              </p:par>
+                            </p:childTnLst>
+                          </p:cTn>
+                        </p:par>
+                      </p:childTnLst>
+                    </p:cTn>
+                  </p:par>
+                  <p:par>
+                    <p:cTn id="8" fill="hold">
+                      <p:stCondLst>
+                        <p:cond delay="indefinite"/>
+                      </p:stCondLst>
+                      <p:childTnLst>
+                        <p:par>
+                          <p:cTn id="9" fill="hold">
+                            <p:stCondLst>
+                              <p:cond delay="0"/>
+                            </p:stCondLst>
+                            <p:childTnLst>
+                              <p:par>
+                                <p:cTn id="10" presetID="22" presetClass="entr" presetSubtype="8" fill="hold" nodeType="clickEffect">
+                                  <p:stCondLst>
+                                    <p:cond delay="0"/>
+                                  </p:stCondLst>
+                                  <p:childTnLst>
+                                    <p:set>
+                                      <p:cBhvr>
+                                        <p:cTn id="11" dur="1" fill="hold">
+                                          <p:stCondLst>
+                                            <p:cond delay="0"/>
+                                          </p:stCondLst>
+                                        </p:cTn>
+                                        <p:tgtEl>
+                                          <p:spTgt spid="5"/>
+                                        </p:tgtEl>
+                                        <p:attrNameLst>
+                                          <p:attrName>style.visibility</p:attrName>
+                                        </p:attrNameLst>
+                                      </p:cBhvr>
+                                      <p:to>
+                                        <p:strVal val="visible"/>
+                                      </p:to>
+                                    </p:set>
+                                    <p:animEffect transition="in" filter="wipe(left)">
+                                      <p:cBhvr>
+                                        <p:cTn id="12" dur="1000"/>
+                                        <p:tgtEl>
+                                          <p:spTgt spid="5"/>
+                                        </p:tgtEl>
+                                      </p:cBhvr>
+                                    </p:animEffect>
+                                  </p:childTnLst>
+                                </p:cTn>
+                              </p:par>
+                            </p:childTnLst>
+                          </p:cTn>
+                        </p:par>
+                      </p:childTnLst>
+                    </p:cTn>
+                  </p:par>
+                </p:childTnLst>
+              </p:cTn>
+              <p:prevCondLst>
+                <p:cond evt="onPrev" delay="0">
+                  <p:tgtEl>
+                    <p:sldTgt/>
+                  </p:tgtEl>
+                </p:cond>
+              </p:prevCondLst>
+              <p:nextCondLst>
+                <p:cond evt="onNext" delay="0">
+                  <p:tgtEl>
+                    <p:sldTgt/>
+                  </p:tgtEl>
+                </p:cond>
+              </p:nextCondLst>
+            </p:seq>
+          </p:childTnLst>
+        </p:cTn>
       </p:par>
     </p:tnLst>
   </p:timing>
@@ -9007,7 +8750,7 @@
           <a:graphicData uri="http://schemas.openxmlformats.org/presentationml/2006/ole">
             <mc:AlternateContent xmlns:mc="http://schemas.openxmlformats.org/markup-compatibility/2006">
               <mc:Choice xmlns:v="urn:schemas-microsoft-com:vml" Requires="v">
-                <p:oleObj spid="_x0000_s581649" name="Equation" r:id="rId4" imgW="1308100" imgH="520700" progId="Equation.DSMT4">
+                <p:oleObj spid="_x0000_s581654" name="Equation" r:id="rId4" imgW="1308100" imgH="520700" progId="Equation.DSMT4">
                   <p:embed/>
                 </p:oleObj>
               </mc:Choice>
@@ -9172,7 +8915,7 @@
           <a:graphicData uri="http://schemas.openxmlformats.org/presentationml/2006/ole">
             <mc:AlternateContent xmlns:mc="http://schemas.openxmlformats.org/markup-compatibility/2006">
               <mc:Choice xmlns:v="urn:schemas-microsoft-com:vml" Requires="v">
-                <p:oleObj spid="_x0000_s581650" name="Equation" r:id="rId6" imgW="2032000" imgH="368300" progId="Equation.DSMT4">
+                <p:oleObj spid="_x0000_s581655" name="Equation" r:id="rId6" imgW="2032000" imgH="368300" progId="Equation.DSMT4">
                   <p:embed/>
                 </p:oleObj>
               </mc:Choice>
@@ -9250,14 +8993,7 @@
                 <a:latin typeface="Comic Sans MS"/>
                 <a:cs typeface="Comic Sans MS"/>
               </a:rPr>
-              <a:t> </a:t>
-            </a:r>
-            <a:r>
-              <a:rPr lang="en-US" sz="1200" dirty="0" smtClean="0">
-                <a:latin typeface="Comic Sans MS"/>
-                <a:cs typeface="Comic Sans MS"/>
-              </a:rPr>
-              <a:t>12F.</a:t>
+              <a:t> 12F.</a:t>
             </a:r>
             <a:fld id="{93DA0692-DAF7-4AFE-9BE7-E02439D3694A}" type="slidenum">
               <a:rPr lang="en-US" sz="1200" smtClean="0">
@@ -9347,7 +9083,7 @@
           <a:graphicData uri="http://schemas.openxmlformats.org/presentationml/2006/ole">
             <mc:AlternateContent xmlns:mc="http://schemas.openxmlformats.org/markup-compatibility/2006">
               <mc:Choice xmlns:v="urn:schemas-microsoft-com:vml" Requires="v">
-                <p:oleObj spid="_x0000_s582675" name="Equation" r:id="rId4" imgW="1308100" imgH="520700" progId="Equation.DSMT4">
+                <p:oleObj spid="_x0000_s582680" name="Equation" r:id="rId4" imgW="1308100" imgH="520700" progId="Equation.DSMT4">
                   <p:embed/>
                 </p:oleObj>
               </mc:Choice>
@@ -9441,7 +9177,7 @@
           <a:graphicData uri="http://schemas.openxmlformats.org/presentationml/2006/ole">
             <mc:AlternateContent xmlns:mc="http://schemas.openxmlformats.org/markup-compatibility/2006">
               <mc:Choice xmlns:v="urn:schemas-microsoft-com:vml" Requires="v">
-                <p:oleObj spid="_x0000_s582676" name="Equation" r:id="rId6" imgW="2032000" imgH="368300" progId="Equation.DSMT4">
+                <p:oleObj spid="_x0000_s582681" name="Equation" r:id="rId6" imgW="2032000" imgH="368300" progId="Equation.DSMT4">
                   <p:embed/>
                 </p:oleObj>
               </mc:Choice>
@@ -9519,14 +9255,7 @@
                 <a:latin typeface="Comic Sans MS"/>
                 <a:cs typeface="Comic Sans MS"/>
               </a:rPr>
-              <a:t> </a:t>
-            </a:r>
-            <a:r>
-              <a:rPr lang="en-US" sz="1200" dirty="0" smtClean="0">
-                <a:latin typeface="Comic Sans MS"/>
-                <a:cs typeface="Comic Sans MS"/>
-              </a:rPr>
-              <a:t>12F.</a:t>
+              <a:t> 12F.</a:t>
             </a:r>
             <a:fld id="{93DA0692-DAF7-4AFE-9BE7-E02439D3694A}" type="slidenum">
               <a:rPr lang="en-US" sz="1200" smtClean="0">
@@ -9705,7 +9434,7 @@
           <a:graphicData uri="http://schemas.openxmlformats.org/presentationml/2006/ole">
             <mc:AlternateContent xmlns:mc="http://schemas.openxmlformats.org/markup-compatibility/2006">
               <mc:Choice xmlns:v="urn:schemas-microsoft-com:vml" Requires="v">
-                <p:oleObj spid="_x0000_s200797" name="Equation" r:id="rId4" imgW="1536480" imgH="507960" progId="Equation.DSMT4">
+                <p:oleObj spid="_x0000_s200804" name="Equation" r:id="rId4" imgW="1536480" imgH="507960" progId="Equation.DSMT4">
                   <p:embed/>
                 </p:oleObj>
               </mc:Choice>
@@ -9781,7 +9510,7 @@
           <a:graphicData uri="http://schemas.openxmlformats.org/presentationml/2006/ole">
             <mc:AlternateContent xmlns:mc="http://schemas.openxmlformats.org/markup-compatibility/2006">
               <mc:Choice xmlns:v="urn:schemas-microsoft-com:vml" Requires="v">
-                <p:oleObj spid="_x0000_s200798" name="Equation" r:id="rId6" imgW="1955520" imgH="507960" progId="Equation.DSMT4">
+                <p:oleObj spid="_x0000_s200805" name="Equation" r:id="rId6" imgW="1955520" imgH="507960" progId="Equation.DSMT4">
                   <p:embed/>
                 </p:oleObj>
               </mc:Choice>
@@ -9843,7 +9572,7 @@
           <a:graphicData uri="http://schemas.openxmlformats.org/presentationml/2006/ole">
             <mc:AlternateContent xmlns:mc="http://schemas.openxmlformats.org/markup-compatibility/2006">
               <mc:Choice xmlns:v="urn:schemas-microsoft-com:vml" Requires="v">
-                <p:oleObj spid="_x0000_s200799" name="Equation" r:id="rId8" imgW="863280" imgH="228600" progId="Equation.DSMT4">
+                <p:oleObj spid="_x0000_s200806" name="Equation" r:id="rId8" imgW="863280" imgH="228600" progId="Equation.DSMT4">
                   <p:embed/>
                 </p:oleObj>
               </mc:Choice>
@@ -9935,14 +9664,7 @@
                 <a:latin typeface="Comic Sans MS"/>
                 <a:cs typeface="Comic Sans MS"/>
               </a:rPr>
-              <a:t> </a:t>
-            </a:r>
-            <a:r>
-              <a:rPr lang="en-US" sz="1200" dirty="0" smtClean="0">
-                <a:latin typeface="Comic Sans MS"/>
-                <a:cs typeface="Comic Sans MS"/>
-              </a:rPr>
-              <a:t>12F.</a:t>
+              <a:t> 12F.</a:t>
             </a:r>
             <a:fld id="{93DA0692-DAF7-4AFE-9BE7-E02439D3694A}" type="slidenum">
               <a:rPr lang="en-US" sz="1200" smtClean="0">
@@ -10200,7 +9922,7 @@
           <a:graphicData uri="http://schemas.openxmlformats.org/presentationml/2006/ole">
             <mc:AlternateContent xmlns:mc="http://schemas.openxmlformats.org/markup-compatibility/2006">
               <mc:Choice xmlns:v="urn:schemas-microsoft-com:vml" Requires="v">
-                <p:oleObj spid="_x0000_s202818" name="Equation" r:id="rId4" imgW="1739880" imgH="507960" progId="Equation.DSMT4">
+                <p:oleObj spid="_x0000_s202823" name="Equation" r:id="rId4" imgW="1739880" imgH="507960" progId="Equation.DSMT4">
                   <p:embed/>
                 </p:oleObj>
               </mc:Choice>
@@ -10295,7 +10017,7 @@
           <a:graphicData uri="http://schemas.openxmlformats.org/presentationml/2006/ole">
             <mc:AlternateContent xmlns:mc="http://schemas.openxmlformats.org/markup-compatibility/2006">
               <mc:Choice xmlns:v="urn:schemas-microsoft-com:vml" Requires="v">
-                <p:oleObj spid="_x0000_s202819" name="Equation" r:id="rId6" imgW="1955520" imgH="507960" progId="Equation.DSMT4">
+                <p:oleObj spid="_x0000_s202824" name="Equation" r:id="rId6" imgW="1955520" imgH="507960" progId="Equation.DSMT4">
                   <p:embed/>
                 </p:oleObj>
               </mc:Choice>
@@ -10379,14 +10101,7 @@
                 <a:latin typeface="Comic Sans MS"/>
                 <a:cs typeface="Comic Sans MS"/>
               </a:rPr>
-              <a:t> </a:t>
-            </a:r>
-            <a:r>
-              <a:rPr lang="en-US" sz="1200" dirty="0" smtClean="0">
-                <a:latin typeface="Comic Sans MS"/>
-                <a:cs typeface="Comic Sans MS"/>
-              </a:rPr>
-              <a:t>12F.</a:t>
+              <a:t> 12F.</a:t>
             </a:r>
             <a:fld id="{93DA0692-DAF7-4AFE-9BE7-E02439D3694A}" type="slidenum">
               <a:rPr lang="en-US" sz="1200" smtClean="0">

--- a/spring12/slidesS12/expected-heads.pptx
+++ b/spring12/slidesS12/expected-heads.pptx
@@ -3550,7 +3550,7 @@
           <a:graphicData uri="http://schemas.openxmlformats.org/presentationml/2006/ole">
             <mc:AlternateContent xmlns:mc="http://schemas.openxmlformats.org/markup-compatibility/2006">
               <mc:Choice xmlns:v="urn:schemas-microsoft-com:vml" Requires="v">
-                <p:oleObj spid="_x0000_s583702" name="Equation" r:id="rId4" imgW="1739880" imgH="507960" progId="Equation.DSMT4">
+                <p:oleObj spid="_x0000_s583707" name="Equation" r:id="rId4" imgW="1739880" imgH="507960" progId="Equation.DSMT4">
                   <p:embed/>
                 </p:oleObj>
               </mc:Choice>
@@ -3645,7 +3645,7 @@
           <a:graphicData uri="http://schemas.openxmlformats.org/presentationml/2006/ole">
             <mc:AlternateContent xmlns:mc="http://schemas.openxmlformats.org/markup-compatibility/2006">
               <mc:Choice xmlns:v="urn:schemas-microsoft-com:vml" Requires="v">
-                <p:oleObj spid="_x0000_s583703" name="Equation" r:id="rId6" imgW="1866900" imgH="520700" progId="Equation.DSMT4">
+                <p:oleObj spid="_x0000_s583708" name="Equation" r:id="rId6" imgW="1866900" imgH="520700" progId="Equation.DSMT4">
                   <p:embed/>
                 </p:oleObj>
               </mc:Choice>
@@ -3804,7 +3804,7 @@
           <a:graphicData uri="http://schemas.openxmlformats.org/presentationml/2006/ole">
             <mc:AlternateContent xmlns:mc="http://schemas.openxmlformats.org/markup-compatibility/2006">
               <mc:Choice xmlns:v="urn:schemas-microsoft-com:vml" Requires="v">
-                <p:oleObj spid="_x0000_s584740" name="Equation" r:id="rId4" imgW="1739880" imgH="507960" progId="Equation.DSMT4">
+                <p:oleObj spid="_x0000_s584747" name="Equation" r:id="rId4" imgW="1739880" imgH="507960" progId="Equation.DSMT4">
                   <p:embed/>
                 </p:oleObj>
               </mc:Choice>
@@ -3899,7 +3899,7 @@
           <a:graphicData uri="http://schemas.openxmlformats.org/presentationml/2006/ole">
             <mc:AlternateContent xmlns:mc="http://schemas.openxmlformats.org/markup-compatibility/2006">
               <mc:Choice xmlns:v="urn:schemas-microsoft-com:vml" Requires="v">
-                <p:oleObj spid="_x0000_s584741" name="Equation" r:id="rId6" imgW="1600200" imgH="520700" progId="Equation.DSMT4">
+                <p:oleObj spid="_x0000_s584748" name="Equation" r:id="rId6" imgW="1600200" imgH="520700" progId="Equation.DSMT4">
                   <p:embed/>
                 </p:oleObj>
               </mc:Choice>
@@ -4018,7 +4018,7 @@
           <a:graphicData uri="http://schemas.openxmlformats.org/presentationml/2006/ole">
             <mc:AlternateContent xmlns:mc="http://schemas.openxmlformats.org/markup-compatibility/2006">
               <mc:Choice xmlns:v="urn:schemas-microsoft-com:vml" Requires="v">
-                <p:oleObj spid="_x0000_s584742" name="Equation" r:id="rId8" imgW="850900" imgH="355600" progId="Equation.DSMT4">
+                <p:oleObj spid="_x0000_s584749" name="Equation" r:id="rId8" imgW="850900" imgH="355600" progId="Equation.DSMT4">
                   <p:embed/>
                 </p:oleObj>
               </mc:Choice>
@@ -4406,7 +4406,7 @@
           <a:graphicData uri="http://schemas.openxmlformats.org/presentationml/2006/ole">
             <mc:AlternateContent xmlns:mc="http://schemas.openxmlformats.org/markup-compatibility/2006">
               <mc:Choice xmlns:v="urn:schemas-microsoft-com:vml" Requires="v">
-                <p:oleObj spid="_x0000_s211015" name="Equation" r:id="rId4" imgW="1651000" imgH="495300" progId="Equation.DSMT4">
+                <p:oleObj spid="_x0000_s211020" name="Equation" r:id="rId4" imgW="1651000" imgH="495300" progId="Equation.DSMT4">
                   <p:embed/>
                 </p:oleObj>
               </mc:Choice>
@@ -4476,7 +4476,7 @@
           <a:graphicData uri="http://schemas.openxmlformats.org/presentationml/2006/ole">
             <mc:AlternateContent xmlns:mc="http://schemas.openxmlformats.org/markup-compatibility/2006">
               <mc:Choice xmlns:v="urn:schemas-microsoft-com:vml" Requires="v">
-                <p:oleObj spid="_x0000_s211016" name="Equation" r:id="rId6" imgW="1930400" imgH="381000" progId="Equation.DSMT4">
+                <p:oleObj spid="_x0000_s211021" name="Equation" r:id="rId6" imgW="1930400" imgH="381000" progId="Equation.DSMT4">
                   <p:embed/>
                 </p:oleObj>
               </mc:Choice>
@@ -5273,7 +5273,7 @@
           <a:graphicData uri="http://schemas.openxmlformats.org/presentationml/2006/ole">
             <mc:AlternateContent xmlns:mc="http://schemas.openxmlformats.org/markup-compatibility/2006">
               <mc:Choice xmlns:v="urn:schemas-microsoft-com:vml" Requires="v">
-                <p:oleObj spid="_x0000_s213035" name="Equation" r:id="rId4" imgW="914400" imgH="220320" progId="Equation.DSMT4">
+                <p:oleObj spid="_x0000_s213038" name="Equation" r:id="rId4" imgW="914400" imgH="220320" progId="Equation.DSMT4">
                   <p:embed/>
                 </p:oleObj>
               </mc:Choice>
@@ -6429,7 +6429,7 @@
           <a:graphicData uri="http://schemas.openxmlformats.org/presentationml/2006/ole">
             <mc:AlternateContent xmlns:mc="http://schemas.openxmlformats.org/markup-compatibility/2006">
               <mc:Choice xmlns:v="urn:schemas-microsoft-com:vml" Requires="v">
-                <p:oleObj spid="_x0000_s1091" name="Equation" r:id="rId4" imgW="914400" imgH="220320" progId="Equation.DSMT4">
+                <p:oleObj spid="_x0000_s1096" name="Equation" r:id="rId4" imgW="914400" imgH="220320" progId="Equation.DSMT4">
                   <p:embed/>
                 </p:oleObj>
               </mc:Choice>
@@ -6499,7 +6499,7 @@
           <a:graphicData uri="http://schemas.openxmlformats.org/presentationml/2006/ole">
             <mc:AlternateContent xmlns:mc="http://schemas.openxmlformats.org/markup-compatibility/2006">
               <mc:Choice xmlns:v="urn:schemas-microsoft-com:vml" Requires="v">
-                <p:oleObj spid="_x0000_s1092" name="Equation" r:id="rId6" imgW="634680" imgH="304560" progId="Equation.DSMT4">
+                <p:oleObj spid="_x0000_s1097" name="Equation" r:id="rId6" imgW="634680" imgH="304560" progId="Equation.DSMT4">
                   <p:embed/>
                 </p:oleObj>
               </mc:Choice>
@@ -6737,13 +6737,13 @@
   <p:clrMapOvr>
     <a:masterClrMapping/>
   </p:clrMapOvr>
-  <mc:AlternateContent xmlns:mc="http://schemas.openxmlformats.org/markup-compatibility/2006">
-    <mc:Choice xmlns:p14="http://schemas.microsoft.com/office/powerpoint/2010/main" Requires="p14">
+  <mc:AlternateContent xmlns:mc="http://schemas.openxmlformats.org/markup-compatibility/2006" xmlns:p14="http://schemas.microsoft.com/office/powerpoint/2010/main">
+    <mc:Choice Requires="p14">
       <p:transition spd="med" p14:dur="600">
         <p:fade/>
       </p:transition>
     </mc:Choice>
-    <mc:Fallback>
+    <mc:Fallback xmlns="">
       <p:transition xmlns:p14="http://schemas.microsoft.com/office/powerpoint/2010/main" spd="med">
         <p:fade/>
       </p:transition>
@@ -7048,7 +7048,7 @@
           <a:graphicData uri="http://schemas.openxmlformats.org/presentationml/2006/ole">
             <mc:AlternateContent xmlns:mc="http://schemas.openxmlformats.org/markup-compatibility/2006">
               <mc:Choice xmlns:v="urn:schemas-microsoft-com:vml" Requires="v">
-                <p:oleObj spid="_x0000_s486467" name="Equation" r:id="rId4" imgW="2171700" imgH="533400" progId="Equation.DSMT4">
+                <p:oleObj spid="_x0000_s486472" name="Equation" r:id="rId4" imgW="2171700" imgH="533400" progId="Equation.DSMT4">
                   <p:embed/>
                 </p:oleObj>
               </mc:Choice>
@@ -7146,7 +7146,7 @@
           <a:graphicData uri="http://schemas.openxmlformats.org/presentationml/2006/ole">
             <mc:AlternateContent xmlns:mc="http://schemas.openxmlformats.org/markup-compatibility/2006">
               <mc:Choice xmlns:v="urn:schemas-microsoft-com:vml" Requires="v">
-                <p:oleObj spid="_x0000_s486468" name="Equation" r:id="rId6" imgW="1308100" imgH="342900" progId="Equation.DSMT4">
+                <p:oleObj spid="_x0000_s486473" name="Equation" r:id="rId6" imgW="1308100" imgH="342900" progId="Equation.DSMT4">
                   <p:embed/>
                 </p:oleObj>
               </mc:Choice>
@@ -8302,7 +8302,7 @@
           <a:graphicData uri="http://schemas.openxmlformats.org/presentationml/2006/ole">
             <mc:AlternateContent xmlns:mc="http://schemas.openxmlformats.org/markup-compatibility/2006">
               <mc:Choice xmlns:v="urn:schemas-microsoft-com:vml" Requires="v">
-                <p:oleObj spid="_x0000_s198723" name="Equation" r:id="rId4" imgW="1549400" imgH="520700" progId="Equation.DSMT4">
+                <p:oleObj spid="_x0000_s198728" name="Equation" r:id="rId4" imgW="1549400" imgH="520700" progId="Equation.DSMT4">
                   <p:embed/>
                 </p:oleObj>
               </mc:Choice>
@@ -8467,7 +8467,7 @@
           <a:graphicData uri="http://schemas.openxmlformats.org/presentationml/2006/ole">
             <mc:AlternateContent xmlns:mc="http://schemas.openxmlformats.org/markup-compatibility/2006">
               <mc:Choice xmlns:v="urn:schemas-microsoft-com:vml" Requires="v">
-                <p:oleObj spid="_x0000_s198724" name="Equation" r:id="rId6" imgW="2032000" imgH="368300" progId="Equation.DSMT4">
+                <p:oleObj spid="_x0000_s198729" name="Equation" r:id="rId6" imgW="2032000" imgH="368300" progId="Equation.DSMT4">
                   <p:embed/>
                 </p:oleObj>
               </mc:Choice>
@@ -8750,7 +8750,7 @@
           <a:graphicData uri="http://schemas.openxmlformats.org/presentationml/2006/ole">
             <mc:AlternateContent xmlns:mc="http://schemas.openxmlformats.org/markup-compatibility/2006">
               <mc:Choice xmlns:v="urn:schemas-microsoft-com:vml" Requires="v">
-                <p:oleObj spid="_x0000_s581654" name="Equation" r:id="rId4" imgW="1308100" imgH="520700" progId="Equation.DSMT4">
+                <p:oleObj spid="_x0000_s581659" name="Equation" r:id="rId4" imgW="1308100" imgH="520700" progId="Equation.DSMT4">
                   <p:embed/>
                 </p:oleObj>
               </mc:Choice>
@@ -8915,7 +8915,7 @@
           <a:graphicData uri="http://schemas.openxmlformats.org/presentationml/2006/ole">
             <mc:AlternateContent xmlns:mc="http://schemas.openxmlformats.org/markup-compatibility/2006">
               <mc:Choice xmlns:v="urn:schemas-microsoft-com:vml" Requires="v">
-                <p:oleObj spid="_x0000_s581655" name="Equation" r:id="rId6" imgW="2032000" imgH="368300" progId="Equation.DSMT4">
+                <p:oleObj spid="_x0000_s581660" name="Equation" r:id="rId6" imgW="2032000" imgH="368300" progId="Equation.DSMT4">
                   <p:embed/>
                 </p:oleObj>
               </mc:Choice>
@@ -9083,7 +9083,7 @@
           <a:graphicData uri="http://schemas.openxmlformats.org/presentationml/2006/ole">
             <mc:AlternateContent xmlns:mc="http://schemas.openxmlformats.org/markup-compatibility/2006">
               <mc:Choice xmlns:v="urn:schemas-microsoft-com:vml" Requires="v">
-                <p:oleObj spid="_x0000_s582680" name="Equation" r:id="rId4" imgW="1308100" imgH="520700" progId="Equation.DSMT4">
+                <p:oleObj spid="_x0000_s582685" name="Equation" r:id="rId4" imgW="1308100" imgH="520700" progId="Equation.DSMT4">
                   <p:embed/>
                 </p:oleObj>
               </mc:Choice>
@@ -9177,7 +9177,7 @@
           <a:graphicData uri="http://schemas.openxmlformats.org/presentationml/2006/ole">
             <mc:AlternateContent xmlns:mc="http://schemas.openxmlformats.org/markup-compatibility/2006">
               <mc:Choice xmlns:v="urn:schemas-microsoft-com:vml" Requires="v">
-                <p:oleObj spid="_x0000_s582681" name="Equation" r:id="rId6" imgW="2032000" imgH="368300" progId="Equation.DSMT4">
+                <p:oleObj spid="_x0000_s582686" name="Equation" r:id="rId6" imgW="2032000" imgH="368300" progId="Equation.DSMT4">
                   <p:embed/>
                 </p:oleObj>
               </mc:Choice>
@@ -9434,7 +9434,7 @@
           <a:graphicData uri="http://schemas.openxmlformats.org/presentationml/2006/ole">
             <mc:AlternateContent xmlns:mc="http://schemas.openxmlformats.org/markup-compatibility/2006">
               <mc:Choice xmlns:v="urn:schemas-microsoft-com:vml" Requires="v">
-                <p:oleObj spid="_x0000_s200804" name="Equation" r:id="rId4" imgW="1536480" imgH="507960" progId="Equation.DSMT4">
+                <p:oleObj spid="_x0000_s200811" name="Equation" r:id="rId4" imgW="1536480" imgH="507960" progId="Equation.DSMT4">
                   <p:embed/>
                 </p:oleObj>
               </mc:Choice>
@@ -9510,7 +9510,7 @@
           <a:graphicData uri="http://schemas.openxmlformats.org/presentationml/2006/ole">
             <mc:AlternateContent xmlns:mc="http://schemas.openxmlformats.org/markup-compatibility/2006">
               <mc:Choice xmlns:v="urn:schemas-microsoft-com:vml" Requires="v">
-                <p:oleObj spid="_x0000_s200805" name="Equation" r:id="rId6" imgW="1955520" imgH="507960" progId="Equation.DSMT4">
+                <p:oleObj spid="_x0000_s200812" name="Equation" r:id="rId6" imgW="1955520" imgH="507960" progId="Equation.DSMT4">
                   <p:embed/>
                 </p:oleObj>
               </mc:Choice>
@@ -9572,7 +9572,7 @@
           <a:graphicData uri="http://schemas.openxmlformats.org/presentationml/2006/ole">
             <mc:AlternateContent xmlns:mc="http://schemas.openxmlformats.org/markup-compatibility/2006">
               <mc:Choice xmlns:v="urn:schemas-microsoft-com:vml" Requires="v">
-                <p:oleObj spid="_x0000_s200806" name="Equation" r:id="rId8" imgW="863280" imgH="228600" progId="Equation.DSMT4">
+                <p:oleObj spid="_x0000_s200813" name="Equation" r:id="rId8" imgW="863280" imgH="228600" progId="Equation.DSMT4">
                   <p:embed/>
                 </p:oleObj>
               </mc:Choice>
@@ -9922,7 +9922,7 @@
           <a:graphicData uri="http://schemas.openxmlformats.org/presentationml/2006/ole">
             <mc:AlternateContent xmlns:mc="http://schemas.openxmlformats.org/markup-compatibility/2006">
               <mc:Choice xmlns:v="urn:schemas-microsoft-com:vml" Requires="v">
-                <p:oleObj spid="_x0000_s202823" name="Equation" r:id="rId4" imgW="1739880" imgH="507960" progId="Equation.DSMT4">
+                <p:oleObj spid="_x0000_s202828" name="Equation" r:id="rId4" imgW="1739880" imgH="507960" progId="Equation.DSMT4">
                   <p:embed/>
                 </p:oleObj>
               </mc:Choice>
@@ -10017,7 +10017,7 @@
           <a:graphicData uri="http://schemas.openxmlformats.org/presentationml/2006/ole">
             <mc:AlternateContent xmlns:mc="http://schemas.openxmlformats.org/markup-compatibility/2006">
               <mc:Choice xmlns:v="urn:schemas-microsoft-com:vml" Requires="v">
-                <p:oleObj spid="_x0000_s202824" name="Equation" r:id="rId6" imgW="1955520" imgH="507960" progId="Equation.DSMT4">
+                <p:oleObj spid="_x0000_s202829" name="Equation" r:id="rId6" imgW="1955520" imgH="507960" progId="Equation.DSMT4">
                   <p:embed/>
                 </p:oleObj>
               </mc:Choice>
